--- a/electron-introducao.pptx
+++ b/electron-introducao.pptx
@@ -246,7 +246,7 @@
           </a:bodyPr>
           <a:p>
             <a:pPr algn="r"/>
-            <a:fld id="{5C088B91-91EF-4105-B129-9A86941F8A1A}" type="slidenum">
+            <a:fld id="{4BD021DF-84EA-430B-9916-37E002F1858B}" type="slidenum">
               <a:rPr b="0" lang="pt-BR" sz="1400" spc="-1" strike="noStrike">
                 <a:latin typeface="Times New Roman"/>
               </a:rPr>
@@ -294,7 +294,7 @@
         <p:spPr>
           <a:xfrm>
             <a:off x="685800" y="1143000"/>
-            <a:ext cx="5485320" cy="3085200"/>
+            <a:ext cx="5484960" cy="3084840"/>
           </a:xfrm>
           <a:prstGeom prst="rect">
             <a:avLst/>
@@ -314,7 +314,7 @@
         <p:spPr>
           <a:xfrm>
             <a:off x="685800" y="4400640"/>
-            <a:ext cx="5485320" cy="3599280"/>
+            <a:ext cx="5484960" cy="3598920"/>
           </a:xfrm>
           <a:prstGeom prst="rect">
             <a:avLst/>
@@ -340,7 +340,7 @@
         <p:spPr>
           <a:xfrm>
             <a:off x="3884760" y="8685360"/>
-            <a:ext cx="2970720" cy="457560"/>
+            <a:ext cx="2970360" cy="457200"/>
           </a:xfrm>
           <a:prstGeom prst="rect">
             <a:avLst/>
@@ -366,7 +366,7 @@
                 <a:spcPct val="100000"/>
               </a:lnSpc>
             </a:pPr>
-            <a:fld id="{F446F0F7-563E-4FCB-825B-04AEC8C094AA}" type="slidenum">
+            <a:fld id="{C5D828A0-D67A-434B-A333-0126F66811C0}" type="slidenum">
               <a:rPr b="0" lang="pt-BR" sz="1200" spc="-1" strike="noStrike">
                 <a:solidFill>
                   <a:srgbClr val="000000"/>
@@ -417,7 +417,7 @@
         <p:spPr>
           <a:xfrm>
             <a:off x="685800" y="1143000"/>
-            <a:ext cx="5485320" cy="3085200"/>
+            <a:ext cx="5484960" cy="3084840"/>
           </a:xfrm>
           <a:prstGeom prst="rect">
             <a:avLst/>
@@ -437,7 +437,7 @@
         <p:spPr>
           <a:xfrm>
             <a:off x="685800" y="4400640"/>
-            <a:ext cx="5485320" cy="3599280"/>
+            <a:ext cx="5484960" cy="3598920"/>
           </a:xfrm>
           <a:prstGeom prst="rect">
             <a:avLst/>
@@ -463,7 +463,7 @@
         <p:spPr>
           <a:xfrm>
             <a:off x="3884760" y="8685360"/>
-            <a:ext cx="2970720" cy="457560"/>
+            <a:ext cx="2970360" cy="457200"/>
           </a:xfrm>
           <a:prstGeom prst="rect">
             <a:avLst/>
@@ -489,7 +489,7 @@
                 <a:spcPct val="100000"/>
               </a:lnSpc>
             </a:pPr>
-            <a:fld id="{E859F2D4-3250-49A7-BC6F-46DA9C8F367D}" type="slidenum">
+            <a:fld id="{E6EDEFAB-E1F2-484D-9A28-8345D1CA4839}" type="slidenum">
               <a:rPr b="0" lang="pt-BR" sz="1200" spc="-1" strike="noStrike">
                 <a:solidFill>
                   <a:srgbClr val="000000"/>
@@ -539,7 +539,7 @@
         <p:spPr>
           <a:xfrm>
             <a:off x="685800" y="1143000"/>
-            <a:ext cx="5485320" cy="3085200"/>
+            <a:ext cx="5484960" cy="3084840"/>
           </a:xfrm>
           <a:prstGeom prst="rect">
             <a:avLst/>
@@ -559,7 +559,7 @@
         <p:spPr>
           <a:xfrm>
             <a:off x="685800" y="4400640"/>
-            <a:ext cx="5485320" cy="3599280"/>
+            <a:ext cx="5484960" cy="3598920"/>
           </a:xfrm>
           <a:prstGeom prst="rect">
             <a:avLst/>
@@ -585,7 +585,7 @@
         <p:spPr>
           <a:xfrm>
             <a:off x="3884760" y="8685360"/>
-            <a:ext cx="2970720" cy="457560"/>
+            <a:ext cx="2970360" cy="457200"/>
           </a:xfrm>
           <a:prstGeom prst="rect">
             <a:avLst/>
@@ -611,14 +611,14 @@
                 <a:spcPct val="100000"/>
               </a:lnSpc>
             </a:pPr>
-            <a:fld id="{66DBEA65-0552-49F8-AD5A-CC23B6760B87}" type="slidenum">
+            <a:fld id="{4ED72C5A-4849-4ECB-8DC1-EF9C823C60D7}" type="slidenum">
               <a:rPr b="0" lang="pt-BR" sz="1200" spc="-1" strike="noStrike">
                 <a:solidFill>
                   <a:srgbClr val="000000"/>
                 </a:solidFill>
                 <a:latin typeface="Times New Roman"/>
               </a:rPr>
-              <a:t>&lt;number&gt;</a:t>
+              <a:t>7</a:t>
             </a:fld>
             <a:endParaRPr b="0" lang="pt-BR" sz="1200" spc="-1" strike="noStrike">
               <a:latin typeface="Arial"/>
@@ -661,7 +661,7 @@
         <p:spPr>
           <a:xfrm>
             <a:off x="685800" y="1143000"/>
-            <a:ext cx="5485320" cy="3085200"/>
+            <a:ext cx="5484960" cy="3084840"/>
           </a:xfrm>
           <a:prstGeom prst="rect">
             <a:avLst/>
@@ -681,7 +681,7 @@
         <p:spPr>
           <a:xfrm>
             <a:off x="685800" y="4400640"/>
-            <a:ext cx="5485320" cy="3599280"/>
+            <a:ext cx="5484960" cy="3598920"/>
           </a:xfrm>
           <a:prstGeom prst="rect">
             <a:avLst/>
@@ -707,7 +707,7 @@
         <p:spPr>
           <a:xfrm>
             <a:off x="3884760" y="8685360"/>
-            <a:ext cx="2970720" cy="457560"/>
+            <a:ext cx="2970360" cy="457200"/>
           </a:xfrm>
           <a:prstGeom prst="rect">
             <a:avLst/>
@@ -733,14 +733,14 @@
                 <a:spcPct val="100000"/>
               </a:lnSpc>
             </a:pPr>
-            <a:fld id="{38DF1951-774A-45B5-B9FF-9902164E4B36}" type="slidenum">
+            <a:fld id="{5CCB44E8-288D-40A3-A6B0-A18F7A974D1A}" type="slidenum">
               <a:rPr b="0" lang="pt-BR" sz="1200" spc="-1" strike="noStrike">
                 <a:solidFill>
                   <a:srgbClr val="000000"/>
                 </a:solidFill>
                 <a:latin typeface="Times New Roman"/>
               </a:rPr>
-              <a:t>&lt;number&gt;</a:t>
+              <a:t>7</a:t>
             </a:fld>
             <a:endParaRPr b="0" lang="pt-BR" sz="1200" spc="-1" strike="noStrike">
               <a:latin typeface="Arial"/>
@@ -783,7 +783,7 @@
         <p:spPr>
           <a:xfrm>
             <a:off x="685800" y="1143000"/>
-            <a:ext cx="5485320" cy="3085200"/>
+            <a:ext cx="5484960" cy="3084840"/>
           </a:xfrm>
           <a:prstGeom prst="rect">
             <a:avLst/>
@@ -803,7 +803,7 @@
         <p:spPr>
           <a:xfrm>
             <a:off x="685800" y="4400640"/>
-            <a:ext cx="5485320" cy="3599280"/>
+            <a:ext cx="5484960" cy="3598920"/>
           </a:xfrm>
           <a:prstGeom prst="rect">
             <a:avLst/>
@@ -829,7 +829,7 @@
         <p:spPr>
           <a:xfrm>
             <a:off x="3884760" y="8685360"/>
-            <a:ext cx="2970720" cy="457560"/>
+            <a:ext cx="2970360" cy="457200"/>
           </a:xfrm>
           <a:prstGeom prst="rect">
             <a:avLst/>
@@ -855,7 +855,7 @@
                 <a:spcPct val="100000"/>
               </a:lnSpc>
             </a:pPr>
-            <a:fld id="{36BEC439-65F2-425F-8C94-1413381E3DE9}" type="slidenum">
+            <a:fld id="{7E1914F6-7BC4-4763-8087-C9779AE1F4B7}" type="slidenum">
               <a:rPr b="0" lang="pt-BR" sz="1200" spc="-1" strike="noStrike">
                 <a:solidFill>
                   <a:srgbClr val="000000"/>
@@ -905,7 +905,7 @@
         <p:spPr>
           <a:xfrm>
             <a:off x="685800" y="1143000"/>
-            <a:ext cx="5485320" cy="3085200"/>
+            <a:ext cx="5484960" cy="3084840"/>
           </a:xfrm>
           <a:prstGeom prst="rect">
             <a:avLst/>
@@ -925,7 +925,7 @@
         <p:spPr>
           <a:xfrm>
             <a:off x="685800" y="4400640"/>
-            <a:ext cx="5485320" cy="3599280"/>
+            <a:ext cx="5484960" cy="3598920"/>
           </a:xfrm>
           <a:prstGeom prst="rect">
             <a:avLst/>
@@ -951,7 +951,7 @@
         <p:spPr>
           <a:xfrm>
             <a:off x="3884760" y="8685360"/>
-            <a:ext cx="2970720" cy="457560"/>
+            <a:ext cx="2970360" cy="457200"/>
           </a:xfrm>
           <a:prstGeom prst="rect">
             <a:avLst/>
@@ -977,7 +977,7 @@
                 <a:spcPct val="100000"/>
               </a:lnSpc>
             </a:pPr>
-            <a:fld id="{ED39A0C9-0E2D-4CA0-A446-912950FD0ADC}" type="slidenum">
+            <a:fld id="{57A8585D-1C24-4876-B9EF-FD3A43E46DA6}" type="slidenum">
               <a:rPr b="0" lang="pt-BR" sz="1200" spc="-1" strike="noStrike">
                 <a:solidFill>
                   <a:srgbClr val="000000"/>
@@ -1027,7 +1027,7 @@
         <p:spPr>
           <a:xfrm>
             <a:off x="685800" y="1143000"/>
-            <a:ext cx="5485320" cy="3085200"/>
+            <a:ext cx="5484960" cy="3084840"/>
           </a:xfrm>
           <a:prstGeom prst="rect">
             <a:avLst/>
@@ -1047,7 +1047,7 @@
         <p:spPr>
           <a:xfrm>
             <a:off x="685800" y="4400640"/>
-            <a:ext cx="5485320" cy="3599280"/>
+            <a:ext cx="5484960" cy="3598920"/>
           </a:xfrm>
           <a:prstGeom prst="rect">
             <a:avLst/>
@@ -1073,7 +1073,7 @@
         <p:spPr>
           <a:xfrm>
             <a:off x="3884760" y="8685360"/>
-            <a:ext cx="2970720" cy="457560"/>
+            <a:ext cx="2970360" cy="457200"/>
           </a:xfrm>
           <a:prstGeom prst="rect">
             <a:avLst/>
@@ -1099,7 +1099,7 @@
                 <a:spcPct val="100000"/>
               </a:lnSpc>
             </a:pPr>
-            <a:fld id="{8232A3F8-F424-4AC9-BF82-B5DA4A3374BA}" type="slidenum">
+            <a:fld id="{520CBD14-37FA-4261-BD72-110C3F4EE3B6}" type="slidenum">
               <a:rPr b="0" lang="pt-BR" sz="1200" spc="-1" strike="noStrike">
                 <a:solidFill>
                   <a:srgbClr val="000000"/>
@@ -3871,7 +3871,7 @@
         <p:spPr>
           <a:xfrm>
             <a:off x="609480" y="273600"/>
-            <a:ext cx="10972080" cy="1144440"/>
+            <a:ext cx="10972440" cy="1144800"/>
           </a:xfrm>
           <a:prstGeom prst="rect">
             <a:avLst/>
@@ -3884,12 +3884,12 @@
           <a:p>
             <a:pPr algn="ctr"/>
             <a:r>
-              <a:rPr b="0" lang="pt-BR" sz="1800" spc="-1" strike="noStrike">
+              <a:rPr b="0" lang="pt-BR" sz="4400" spc="-1" strike="noStrike">
                 <a:latin typeface="Arial"/>
               </a:rPr>
               <a:t>Click to edit the title text format</a:t>
             </a:r>
-            <a:endParaRPr b="0" lang="pt-BR" sz="1800" spc="-1" strike="noStrike">
+            <a:endParaRPr b="0" lang="pt-BR" sz="4400" spc="-1" strike="noStrike">
               <a:latin typeface="Arial"/>
             </a:endParaRPr>
           </a:p>
@@ -3908,7 +3908,7 @@
         <p:spPr>
           <a:xfrm>
             <a:off x="609480" y="1604520"/>
-            <a:ext cx="10972080" cy="3976920"/>
+            <a:ext cx="10972440" cy="3977280"/>
           </a:xfrm>
           <a:prstGeom prst="rect">
             <a:avLst/>
@@ -3919,7 +3919,7 @@
             <a:normAutofit/>
           </a:bodyPr>
           <a:p>
-            <a:pPr marL="432000" indent="-324000" algn="ctr">
+            <a:pPr marL="432000" indent="-324000">
               <a:spcBef>
                 <a:spcPts val="1417"/>
               </a:spcBef>
@@ -3931,17 +3931,17 @@
               <a:buChar char=""/>
             </a:pPr>
             <a:r>
-              <a:rPr b="0" lang="pt-BR" sz="1800" spc="-1" strike="noStrike">
+              <a:rPr b="0" lang="pt-BR" sz="3200" spc="-1" strike="noStrike">
                 <a:latin typeface="Arial"/>
               </a:rPr>
               <a:t>Click to edit the outline text format</a:t>
             </a:r>
-            <a:endParaRPr b="0" lang="pt-BR" sz="1800" spc="-1" strike="noStrike">
-              <a:latin typeface="Arial"/>
-            </a:endParaRPr>
-          </a:p>
-          <a:p>
-            <a:pPr lvl="1" marL="864000" indent="-324000" algn="ctr">
+            <a:endParaRPr b="0" lang="pt-BR" sz="3200" spc="-1" strike="noStrike">
+              <a:latin typeface="Arial"/>
+            </a:endParaRPr>
+          </a:p>
+          <a:p>
+            <a:pPr lvl="1" marL="864000" indent="-324000">
               <a:spcBef>
                 <a:spcPts val="1134"/>
               </a:spcBef>
@@ -3953,17 +3953,17 @@
               <a:buChar char=""/>
             </a:pPr>
             <a:r>
-              <a:rPr b="0" lang="pt-BR" sz="1800" spc="-1" strike="noStrike">
+              <a:rPr b="0" lang="pt-BR" sz="2800" spc="-1" strike="noStrike">
                 <a:latin typeface="Arial"/>
               </a:rPr>
               <a:t>Second Outline Level</a:t>
             </a:r>
-            <a:endParaRPr b="0" lang="pt-BR" sz="1800" spc="-1" strike="noStrike">
-              <a:latin typeface="Arial"/>
-            </a:endParaRPr>
-          </a:p>
-          <a:p>
-            <a:pPr lvl="2" marL="1296000" indent="-288000" algn="ctr">
+            <a:endParaRPr b="0" lang="pt-BR" sz="2800" spc="-1" strike="noStrike">
+              <a:latin typeface="Arial"/>
+            </a:endParaRPr>
+          </a:p>
+          <a:p>
+            <a:pPr lvl="2" marL="1296000" indent="-288000">
               <a:spcBef>
                 <a:spcPts val="850"/>
               </a:spcBef>
@@ -3975,17 +3975,17 @@
               <a:buChar char=""/>
             </a:pPr>
             <a:r>
-              <a:rPr b="0" lang="pt-BR" sz="1800" spc="-1" strike="noStrike">
+              <a:rPr b="0" lang="pt-BR" sz="2400" spc="-1" strike="noStrike">
                 <a:latin typeface="Arial"/>
               </a:rPr>
               <a:t>Third Outline Level</a:t>
             </a:r>
-            <a:endParaRPr b="0" lang="pt-BR" sz="1800" spc="-1" strike="noStrike">
-              <a:latin typeface="Arial"/>
-            </a:endParaRPr>
-          </a:p>
-          <a:p>
-            <a:pPr lvl="3" marL="1728000" indent="-216000" algn="ctr">
+            <a:endParaRPr b="0" lang="pt-BR" sz="2400" spc="-1" strike="noStrike">
+              <a:latin typeface="Arial"/>
+            </a:endParaRPr>
+          </a:p>
+          <a:p>
+            <a:pPr lvl="3" marL="1728000" indent="-216000">
               <a:spcBef>
                 <a:spcPts val="567"/>
               </a:spcBef>
@@ -3997,17 +3997,17 @@
               <a:buChar char=""/>
             </a:pPr>
             <a:r>
-              <a:rPr b="0" lang="pt-BR" sz="1800" spc="-1" strike="noStrike">
+              <a:rPr b="0" lang="pt-BR" sz="2000" spc="-1" strike="noStrike">
                 <a:latin typeface="Arial"/>
               </a:rPr>
               <a:t>Fourth Outline Level</a:t>
             </a:r>
-            <a:endParaRPr b="0" lang="pt-BR" sz="1800" spc="-1" strike="noStrike">
-              <a:latin typeface="Arial"/>
-            </a:endParaRPr>
-          </a:p>
-          <a:p>
-            <a:pPr lvl="4" marL="2160000" indent="-216000" algn="ctr">
+            <a:endParaRPr b="0" lang="pt-BR" sz="2000" spc="-1" strike="noStrike">
+              <a:latin typeface="Arial"/>
+            </a:endParaRPr>
+          </a:p>
+          <a:p>
+            <a:pPr lvl="4" marL="2160000" indent="-216000">
               <a:spcBef>
                 <a:spcPts val="283"/>
               </a:spcBef>
@@ -4019,17 +4019,17 @@
               <a:buChar char=""/>
             </a:pPr>
             <a:r>
-              <a:rPr b="0" lang="pt-BR" sz="1800" spc="-1" strike="noStrike">
+              <a:rPr b="0" lang="pt-BR" sz="2000" spc="-1" strike="noStrike">
                 <a:latin typeface="Arial"/>
               </a:rPr>
               <a:t>Fifth Outline Level</a:t>
             </a:r>
-            <a:endParaRPr b="0" lang="pt-BR" sz="1800" spc="-1" strike="noStrike">
-              <a:latin typeface="Arial"/>
-            </a:endParaRPr>
-          </a:p>
-          <a:p>
-            <a:pPr lvl="5" marL="2592000" indent="-216000" algn="ctr">
+            <a:endParaRPr b="0" lang="pt-BR" sz="2000" spc="-1" strike="noStrike">
+              <a:latin typeface="Arial"/>
+            </a:endParaRPr>
+          </a:p>
+          <a:p>
+            <a:pPr lvl="5" marL="2592000" indent="-216000">
               <a:spcBef>
                 <a:spcPts val="283"/>
               </a:spcBef>
@@ -4041,17 +4041,17 @@
               <a:buChar char=""/>
             </a:pPr>
             <a:r>
-              <a:rPr b="0" lang="pt-BR" sz="1800" spc="-1" strike="noStrike">
+              <a:rPr b="0" lang="pt-BR" sz="2000" spc="-1" strike="noStrike">
                 <a:latin typeface="Arial"/>
               </a:rPr>
               <a:t>Sixth Outline Level</a:t>
             </a:r>
-            <a:endParaRPr b="0" lang="pt-BR" sz="1800" spc="-1" strike="noStrike">
-              <a:latin typeface="Arial"/>
-            </a:endParaRPr>
-          </a:p>
-          <a:p>
-            <a:pPr lvl="6" marL="3024000" indent="-216000" algn="ctr">
+            <a:endParaRPr b="0" lang="pt-BR" sz="2000" spc="-1" strike="noStrike">
+              <a:latin typeface="Arial"/>
+            </a:endParaRPr>
+          </a:p>
+          <a:p>
+            <a:pPr lvl="6" marL="3024000" indent="-216000">
               <a:spcBef>
                 <a:spcPts val="283"/>
               </a:spcBef>
@@ -4063,12 +4063,12 @@
               <a:buChar char=""/>
             </a:pPr>
             <a:r>
-              <a:rPr b="0" lang="pt-BR" sz="1800" spc="-1" strike="noStrike">
+              <a:rPr b="0" lang="pt-BR" sz="2000" spc="-1" strike="noStrike">
                 <a:latin typeface="Arial"/>
               </a:rPr>
               <a:t>Seventh Outline Level</a:t>
             </a:r>
-            <a:endParaRPr b="0" lang="pt-BR" sz="1800" spc="-1" strike="noStrike">
+            <a:endParaRPr b="0" lang="pt-BR" sz="2000" spc="-1" strike="noStrike">
               <a:latin typeface="Arial"/>
             </a:endParaRPr>
           </a:p>
@@ -4383,7 +4383,7 @@
         <p:spPr>
           <a:xfrm>
             <a:off x="588600" y="2898000"/>
-            <a:ext cx="11379600" cy="1510920"/>
+            <a:ext cx="11379240" cy="1510560"/>
           </a:xfrm>
           <a:prstGeom prst="rect">
             <a:avLst/>
@@ -4434,7 +4434,7 @@
         <p:spPr>
           <a:xfrm>
             <a:off x="1706760" y="4443480"/>
-            <a:ext cx="9142920" cy="729720"/>
+            <a:ext cx="9142560" cy="729360"/>
           </a:xfrm>
           <a:prstGeom prst="rect">
             <a:avLst/>
@@ -4547,7 +4547,7 @@
         <p:spPr>
           <a:xfrm>
             <a:off x="0" y="224280"/>
-            <a:ext cx="12022200" cy="857520"/>
+            <a:ext cx="12021840" cy="857160"/>
           </a:xfrm>
           <a:prstGeom prst="rect">
             <a:avLst/>
@@ -4598,7 +4598,7 @@
         <p:spPr>
           <a:xfrm>
             <a:off x="317520" y="1290960"/>
-            <a:ext cx="11704320" cy="4350240"/>
+            <a:ext cx="11703960" cy="4349880"/>
           </a:xfrm>
           <a:prstGeom prst="rect">
             <a:avLst/>
@@ -4746,7 +4746,7 @@
         <p:spPr>
           <a:xfrm>
             <a:off x="0" y="224280"/>
-            <a:ext cx="12022200" cy="857520"/>
+            <a:ext cx="12021840" cy="857160"/>
           </a:xfrm>
           <a:prstGeom prst="rect">
             <a:avLst/>
@@ -4797,7 +4797,7 @@
         <p:spPr>
           <a:xfrm>
             <a:off x="317520" y="1290960"/>
-            <a:ext cx="11704320" cy="4350240"/>
+            <a:ext cx="11703960" cy="4349880"/>
           </a:xfrm>
           <a:prstGeom prst="rect">
             <a:avLst/>
@@ -5003,7 +5003,7 @@
         <p:spPr>
           <a:xfrm>
             <a:off x="0" y="224280"/>
-            <a:ext cx="12022200" cy="857520"/>
+            <a:ext cx="12021840" cy="857160"/>
           </a:xfrm>
           <a:prstGeom prst="rect">
             <a:avLst/>
@@ -5054,7 +5054,7 @@
         <p:spPr>
           <a:xfrm>
             <a:off x="317520" y="1290960"/>
-            <a:ext cx="11704320" cy="4350240"/>
+            <a:ext cx="11703960" cy="4349880"/>
           </a:xfrm>
           <a:prstGeom prst="rect">
             <a:avLst/>
@@ -5217,7 +5217,7 @@
         <p:spPr>
           <a:xfrm>
             <a:off x="0" y="224280"/>
-            <a:ext cx="12022200" cy="857520"/>
+            <a:ext cx="12021840" cy="857160"/>
           </a:xfrm>
           <a:prstGeom prst="rect">
             <a:avLst/>
@@ -5268,7 +5268,7 @@
         <p:spPr>
           <a:xfrm>
             <a:off x="317520" y="1290960"/>
-            <a:ext cx="11704320" cy="4350240"/>
+            <a:ext cx="11703960" cy="4349880"/>
           </a:xfrm>
           <a:prstGeom prst="rect">
             <a:avLst/>
@@ -5286,7 +5286,7 @@
         </p:style>
         <p:txBody>
           <a:bodyPr lIns="90000" rIns="90000" tIns="45000" bIns="45000">
-            <a:normAutofit/>
+            <a:normAutofit fontScale="97000"/>
           </a:bodyPr>
           <a:p>
             <a:pPr algn="ctr">
@@ -5360,6 +5360,54 @@
                 <a:ea typeface="DejaVu Sans"/>
               </a:rPr>
               <a:t>npm install --save styled-components</a:t>
+            </a:r>
+            <a:endParaRPr b="0" lang="pt-BR" sz="3200" spc="-1" strike="noStrike">
+              <a:latin typeface="Arial"/>
+            </a:endParaRPr>
+          </a:p>
+          <a:p>
+            <a:pPr algn="ctr">
+              <a:lnSpc>
+                <a:spcPct val="100000"/>
+              </a:lnSpc>
+              <a:spcBef>
+                <a:spcPts val="1001"/>
+              </a:spcBef>
+              <a:spcAft>
+                <a:spcPts val="1001"/>
+              </a:spcAft>
+              <a:tabLst>
+                <a:tab algn="l" pos="0"/>
+              </a:tabLst>
+            </a:pPr>
+            <a:endParaRPr b="0" lang="pt-BR" sz="3200" spc="-1" strike="noStrike">
+              <a:latin typeface="Arial"/>
+            </a:endParaRPr>
+          </a:p>
+          <a:p>
+            <a:pPr algn="ctr">
+              <a:lnSpc>
+                <a:spcPct val="100000"/>
+              </a:lnSpc>
+              <a:spcBef>
+                <a:spcPts val="1001"/>
+              </a:spcBef>
+              <a:spcAft>
+                <a:spcPts val="1001"/>
+              </a:spcAft>
+              <a:tabLst>
+                <a:tab algn="l" pos="0"/>
+              </a:tabLst>
+            </a:pPr>
+            <a:r>
+              <a:rPr b="0" lang="pt-BR" sz="3200" spc="-1" strike="noStrike">
+                <a:solidFill>
+                  <a:srgbClr val="1f4e79"/>
+                </a:solidFill>
+                <a:latin typeface="Arial"/>
+                <a:ea typeface="DejaVu Sans"/>
+              </a:rPr>
+              <a:t>Dica: instalar a extensão vscode-styled-components no Visual Code para ter sintaxe highlight.</a:t>
             </a:r>
             <a:endParaRPr b="0" lang="pt-BR" sz="3200" spc="-1" strike="noStrike">
               <a:latin typeface="Arial"/>
@@ -5425,7 +5473,7 @@
         <p:spPr>
           <a:xfrm>
             <a:off x="0" y="224280"/>
-            <a:ext cx="12022200" cy="857520"/>
+            <a:ext cx="12021840" cy="857160"/>
           </a:xfrm>
           <a:prstGeom prst="rect">
             <a:avLst/>
@@ -5476,7 +5524,7 @@
         <p:spPr>
           <a:xfrm>
             <a:off x="317520" y="1290960"/>
-            <a:ext cx="11704320" cy="4350240"/>
+            <a:ext cx="11703960" cy="4349880"/>
           </a:xfrm>
           <a:prstGeom prst="rect">
             <a:avLst/>
@@ -5494,7 +5542,7 @@
         </p:style>
         <p:txBody>
           <a:bodyPr lIns="90000" rIns="90000" tIns="45000" bIns="45000">
-            <a:normAutofit fontScale="97000"/>
+            <a:normAutofit fontScale="94000"/>
           </a:bodyPr>
           <a:p>
             <a:pPr>
@@ -5549,17 +5597,7 @@
                 <a:latin typeface="FreeMono"/>
                 <a:ea typeface="DejaVu Sans"/>
               </a:rPr>
-              <a:t>import React from </a:t>
-            </a:r>
-            <a:r>
-              <a:rPr b="0" lang="pt-BR" sz="2400" spc="-1" strike="noStrike">
-                <a:solidFill>
-                  <a:srgbClr val="1f4e79"/>
-                </a:solidFill>
-                <a:latin typeface="FreeMono"/>
-                <a:ea typeface="DejaVu Sans"/>
-              </a:rPr>
-              <a:t>'react';</a:t>
+              <a:t>import React from 'react';</a:t>
             </a:r>
             <a:endParaRPr b="0" lang="pt-BR" sz="2400" spc="-1" strike="noStrike">
               <a:latin typeface="Arial"/>
@@ -5588,17 +5626,7 @@
                 <a:latin typeface="FreeMono"/>
                 <a:ea typeface="DejaVu Sans"/>
               </a:rPr>
-              <a:t>import styled from </a:t>
-            </a:r>
-            <a:r>
-              <a:rPr b="0" lang="pt-BR" sz="2400" spc="-1" strike="noStrike">
-                <a:solidFill>
-                  <a:srgbClr val="1f4e79"/>
-                </a:solidFill>
-                <a:latin typeface="FreeMono"/>
-                <a:ea typeface="DejaVu Sans"/>
-              </a:rPr>
-              <a:t>'styled-components';</a:t>
+              <a:t>import styled from 'styled-components';</a:t>
             </a:r>
             <a:endParaRPr b="0" lang="pt-BR" sz="2400" spc="-1" strike="noStrike">
               <a:latin typeface="Arial"/>
@@ -5627,27 +5655,7 @@
                 <a:latin typeface="FreeMono"/>
                 <a:ea typeface="DejaVu Sans"/>
               </a:rPr>
-              <a:t>export const Title = </a:t>
-            </a:r>
-            <a:r>
-              <a:rPr b="0" lang="pt-BR" sz="2400" spc="-1" strike="noStrike">
-                <a:solidFill>
-                  <a:srgbClr val="1f4e79"/>
-                </a:solidFill>
-                <a:latin typeface="FreeMono"/>
-                <a:ea typeface="DejaVu Sans"/>
-              </a:rPr>
-              <a:t>styled.h1`color: </a:t>
-            </a:r>
-            <a:r>
-              <a:rPr b="0" lang="pt-BR" sz="2400" spc="-1" strike="noStrike">
-                <a:solidFill>
-                  <a:srgbClr val="1f4e79"/>
-                </a:solidFill>
-                <a:latin typeface="FreeMono"/>
-                <a:ea typeface="DejaVu Sans"/>
-              </a:rPr>
-              <a:t>blue`;</a:t>
+              <a:t>export const Title = styled.h1`color: blue`;</a:t>
             </a:r>
             <a:endParaRPr b="0" lang="pt-BR" sz="2400" spc="-1" strike="noStrike">
               <a:latin typeface="Arial"/>
@@ -5725,17 +5733,7 @@
                 <a:latin typeface="FreeMono"/>
                 <a:ea typeface="DejaVu Sans"/>
               </a:rPr>
-              <a:t>import * as SC from </a:t>
-            </a:r>
-            <a:r>
-              <a:rPr b="0" lang="pt-BR" sz="2400" spc="-1" strike="noStrike">
-                <a:solidFill>
-                  <a:srgbClr val="1f4e79"/>
-                </a:solidFill>
-                <a:latin typeface="FreeMono"/>
-                <a:ea typeface="DejaVu Sans"/>
-              </a:rPr>
-              <a:t>'./styles.js';</a:t>
+              <a:t>import * as SC from './styles.js';</a:t>
             </a:r>
             <a:endParaRPr b="0" lang="pt-BR" sz="2400" spc="-1" strike="noStrike">
               <a:latin typeface="Arial"/>
@@ -5764,17 +5762,7 @@
                 <a:latin typeface="FreeMono"/>
                 <a:ea typeface="DejaVu Sans"/>
               </a:rPr>
-              <a:t>&lt;SC.Title&gt;xxx&lt;/</a:t>
-            </a:r>
-            <a:r>
-              <a:rPr b="0" lang="pt-BR" sz="2400" spc="-1" strike="noStrike">
-                <a:solidFill>
-                  <a:srgbClr val="1f4e79"/>
-                </a:solidFill>
-                <a:latin typeface="FreeMono"/>
-                <a:ea typeface="DejaVu Sans"/>
-              </a:rPr>
-              <a:t>SC.Title&gt;</a:t>
+              <a:t>&lt;SC.Title&gt;xxx&lt;/SC.Title&gt;</a:t>
             </a:r>
             <a:endParaRPr b="0" lang="pt-BR" sz="2400" spc="-1" strike="noStrike">
               <a:latin typeface="Arial"/>
@@ -5840,7 +5828,7 @@
         <p:spPr>
           <a:xfrm>
             <a:off x="0" y="224280"/>
-            <a:ext cx="12022200" cy="857520"/>
+            <a:ext cx="12021840" cy="857160"/>
           </a:xfrm>
           <a:prstGeom prst="rect">
             <a:avLst/>
@@ -5891,7 +5879,7 @@
         <p:spPr>
           <a:xfrm>
             <a:off x="317520" y="1290960"/>
-            <a:ext cx="11704320" cy="4350240"/>
+            <a:ext cx="11703960" cy="4349880"/>
           </a:xfrm>
           <a:prstGeom prst="rect">
             <a:avLst/>
@@ -5912,7 +5900,7 @@
             <a:normAutofit/>
           </a:bodyPr>
           <a:p>
-            <a:pPr marL="514440" indent="-513360">
+            <a:pPr marL="514440" indent="-513000">
               <a:lnSpc>
                 <a:spcPct val="100000"/>
               </a:lnSpc>
@@ -6033,7 +6021,7 @@
             </a:endParaRPr>
           </a:p>
           <a:p>
-            <a:pPr marL="514440" indent="-513360">
+            <a:pPr marL="514440" indent="-513000">
               <a:lnSpc>
                 <a:spcPct val="100000"/>
               </a:lnSpc>
@@ -6096,7 +6084,10 @@
             </a:endParaRPr>
           </a:p>
           <a:p>
-            <a:pPr marL="514440" indent="-513360">
+            <a:pPr marL="514440" indent="-513000">
+              <a:lnSpc>
+                <a:spcPct val="100000"/>
+              </a:lnSpc>
               <a:spcBef>
                 <a:spcPts val="1001"/>
               </a:spcBef>
@@ -6122,7 +6113,7 @@
             <a:r>
               <a:rPr b="0" lang="pt-BR" sz="3200" spc="-1" strike="noStrike" u="sng">
                 <a:solidFill>
-                  <a:srgbClr val="1f4e79"/>
+                  <a:srgbClr val="0563c1"/>
                 </a:solidFill>
                 <a:uFillTx/>
                 <a:latin typeface="Arial"/>
